--- a/legend.pptx
+++ b/legend.pptx
@@ -3097,419 +3097,404 @@
       </p:grpSpPr>
       <p:grpSp>
         <p:nvGrpSpPr>
-          <p:cNvPr id="15" name="Group 14"/>
+          <p:cNvPr id="3" name="Group 2"/>
           <p:cNvGrpSpPr/>
           <p:nvPr/>
         </p:nvGrpSpPr>
         <p:grpSpPr>
           <a:xfrm>
-            <a:off x="1219200" y="352874"/>
-            <a:ext cx="6172200" cy="6061494"/>
-            <a:chOff x="457200" y="110706"/>
-            <a:chExt cx="6172200" cy="6061494"/>
+            <a:off x="304800" y="502810"/>
+            <a:ext cx="2668438" cy="3548827"/>
+            <a:chOff x="304800" y="502810"/>
+            <a:chExt cx="2668438" cy="3548827"/>
           </a:xfrm>
         </p:grpSpPr>
-        <p:grpSp>
-          <p:nvGrpSpPr>
-            <p:cNvPr id="9" name="Group 8"/>
-            <p:cNvGrpSpPr/>
-            <p:nvPr/>
-          </p:nvGrpSpPr>
-          <p:grpSpPr>
-            <a:xfrm>
-              <a:off x="457200" y="110706"/>
-              <a:ext cx="2362200" cy="6061494"/>
-              <a:chOff x="457200" y="110706"/>
-              <a:chExt cx="2362200" cy="6061494"/>
-            </a:xfrm>
-          </p:grpSpPr>
-          <p:sp>
-            <p:nvSpPr>
-              <p:cNvPr id="4" name="Rectangle 3"/>
-              <p:cNvSpPr/>
-              <p:nvPr/>
-            </p:nvSpPr>
-            <p:spPr>
-              <a:xfrm>
-                <a:off x="457200" y="110706"/>
-                <a:ext cx="2362200" cy="1219200"/>
-              </a:xfrm>
-              <a:prstGeom prst="rect">
-                <a:avLst/>
-              </a:prstGeom>
-              <a:solidFill>
-                <a:srgbClr val="00441B"/>
-              </a:solidFill>
-              <a:ln>
-                <a:noFill/>
-              </a:ln>
-            </p:spPr>
-            <p:style>
-              <a:lnRef idx="2">
-                <a:schemeClr val="accent1">
-                  <a:shade val="50000"/>
-                </a:schemeClr>
-              </a:lnRef>
-              <a:fillRef idx="1">
-                <a:schemeClr val="accent1"/>
-              </a:fillRef>
-              <a:effectRef idx="0">
-                <a:schemeClr val="accent1"/>
-              </a:effectRef>
-              <a:fontRef idx="minor">
-                <a:schemeClr val="lt1"/>
-              </a:fontRef>
-            </p:style>
-            <p:txBody>
-              <a:bodyPr rtlCol="0" anchor="ctr"/>
-              <a:lstStyle/>
-              <a:p>
-                <a:pPr algn="ctr"/>
-                <a:endParaRPr lang="en-US"/>
-              </a:p>
-            </p:txBody>
-          </p:sp>
-          <p:sp>
-            <p:nvSpPr>
-              <p:cNvPr id="5" name="Rectangle 4"/>
-              <p:cNvSpPr/>
-              <p:nvPr/>
-            </p:nvSpPr>
-            <p:spPr>
-              <a:xfrm>
-                <a:off x="457200" y="1329906"/>
-                <a:ext cx="2362200" cy="1219200"/>
-              </a:xfrm>
-              <a:prstGeom prst="rect">
-                <a:avLst/>
-              </a:prstGeom>
-              <a:solidFill>
-                <a:srgbClr val="045A8D"/>
-              </a:solidFill>
-              <a:ln>
-                <a:noFill/>
-              </a:ln>
-            </p:spPr>
-            <p:style>
-              <a:lnRef idx="2">
-                <a:schemeClr val="accent1">
-                  <a:shade val="50000"/>
-                </a:schemeClr>
-              </a:lnRef>
-              <a:fillRef idx="1">
-                <a:schemeClr val="accent1"/>
-              </a:fillRef>
-              <a:effectRef idx="0">
-                <a:schemeClr val="accent1"/>
-              </a:effectRef>
-              <a:fontRef idx="minor">
-                <a:schemeClr val="lt1"/>
-              </a:fontRef>
-            </p:style>
-            <p:txBody>
-              <a:bodyPr rtlCol="0" anchor="ctr"/>
-              <a:lstStyle/>
-              <a:p>
-                <a:pPr algn="ctr"/>
-                <a:endParaRPr lang="en-US"/>
-              </a:p>
-            </p:txBody>
-          </p:sp>
-          <p:sp>
-            <p:nvSpPr>
-              <p:cNvPr id="6" name="Rectangle 5"/>
-              <p:cNvSpPr/>
-              <p:nvPr/>
-            </p:nvSpPr>
-            <p:spPr>
-              <a:xfrm>
-                <a:off x="457200" y="2514600"/>
-                <a:ext cx="2362200" cy="1219200"/>
-              </a:xfrm>
-              <a:prstGeom prst="rect">
-                <a:avLst/>
-              </a:prstGeom>
-              <a:solidFill>
-                <a:srgbClr val="54278F"/>
-              </a:solidFill>
-              <a:ln>
-                <a:noFill/>
-              </a:ln>
-            </p:spPr>
-            <p:style>
-              <a:lnRef idx="2">
-                <a:schemeClr val="accent1">
-                  <a:shade val="50000"/>
-                </a:schemeClr>
-              </a:lnRef>
-              <a:fillRef idx="1">
-                <a:schemeClr val="accent1"/>
-              </a:fillRef>
-              <a:effectRef idx="0">
-                <a:schemeClr val="accent1"/>
-              </a:effectRef>
-              <a:fontRef idx="minor">
-                <a:schemeClr val="lt1"/>
-              </a:fontRef>
-            </p:style>
-            <p:txBody>
-              <a:bodyPr rtlCol="0" anchor="ctr"/>
-              <a:lstStyle/>
-              <a:p>
-                <a:pPr algn="ctr"/>
-                <a:endParaRPr lang="en-US"/>
-              </a:p>
-            </p:txBody>
-          </p:sp>
-          <p:sp>
-            <p:nvSpPr>
-              <p:cNvPr id="7" name="Rectangle 6"/>
-              <p:cNvSpPr/>
-              <p:nvPr/>
-            </p:nvSpPr>
-            <p:spPr>
-              <a:xfrm>
-                <a:off x="457200" y="3733800"/>
-                <a:ext cx="2362200" cy="1219200"/>
-              </a:xfrm>
-              <a:prstGeom prst="rect">
-                <a:avLst/>
-              </a:prstGeom>
-              <a:solidFill>
-                <a:srgbClr val="A50F15"/>
-              </a:solidFill>
-              <a:ln>
-                <a:noFill/>
-              </a:ln>
-            </p:spPr>
-            <p:style>
-              <a:lnRef idx="2">
-                <a:schemeClr val="accent1">
-                  <a:shade val="50000"/>
-                </a:schemeClr>
-              </a:lnRef>
-              <a:fillRef idx="1">
-                <a:schemeClr val="accent1"/>
-              </a:fillRef>
-              <a:effectRef idx="0">
-                <a:schemeClr val="accent1"/>
-              </a:effectRef>
-              <a:fontRef idx="minor">
-                <a:schemeClr val="lt1"/>
-              </a:fontRef>
-            </p:style>
-            <p:txBody>
-              <a:bodyPr rtlCol="0" anchor="ctr"/>
-              <a:lstStyle/>
-              <a:p>
-                <a:pPr algn="ctr"/>
-                <a:endParaRPr lang="en-US"/>
-              </a:p>
-            </p:txBody>
-          </p:sp>
-          <p:sp>
-            <p:nvSpPr>
-              <p:cNvPr id="8" name="Rectangle 7"/>
-              <p:cNvSpPr/>
-              <p:nvPr/>
-            </p:nvSpPr>
-            <p:spPr>
-              <a:xfrm>
-                <a:off x="457200" y="4953000"/>
-                <a:ext cx="2362200" cy="1219200"/>
-              </a:xfrm>
-              <a:prstGeom prst="rect">
-                <a:avLst/>
-              </a:prstGeom>
-              <a:solidFill>
-                <a:srgbClr val="E08214"/>
-              </a:solidFill>
-              <a:ln>
-                <a:noFill/>
-              </a:ln>
-            </p:spPr>
-            <p:style>
-              <a:lnRef idx="2">
-                <a:schemeClr val="accent1">
-                  <a:shade val="50000"/>
-                </a:schemeClr>
-              </a:lnRef>
-              <a:fillRef idx="1">
-                <a:schemeClr val="accent1"/>
-              </a:fillRef>
-              <a:effectRef idx="0">
-                <a:schemeClr val="accent1"/>
-              </a:effectRef>
-              <a:fontRef idx="minor">
-                <a:schemeClr val="lt1"/>
-              </a:fontRef>
-            </p:style>
-            <p:txBody>
-              <a:bodyPr rtlCol="0" anchor="ctr"/>
-              <a:lstStyle/>
-              <a:p>
-                <a:pPr algn="ctr"/>
-                <a:endParaRPr lang="en-US"/>
-              </a:p>
-            </p:txBody>
-          </p:sp>
-        </p:grpSp>
         <p:sp>
           <p:nvSpPr>
-            <p:cNvPr id="10" name="TextBox 9"/>
-            <p:cNvSpPr txBox="1"/>
+            <p:cNvPr id="4" name="Rectangle 3"/>
+            <p:cNvSpPr/>
             <p:nvPr/>
           </p:nvSpPr>
           <p:spPr>
             <a:xfrm>
-              <a:off x="3124200" y="535640"/>
-              <a:ext cx="3505200" cy="461665"/>
+              <a:off x="304800" y="502810"/>
+              <a:ext cx="2667000" cy="712323"/>
             </a:xfrm>
             <a:prstGeom prst="rect">
               <a:avLst/>
             </a:prstGeom>
-            <a:noFill/>
+            <a:solidFill>
+              <a:srgbClr val="00441B"/>
+            </a:solidFill>
+            <a:ln>
+              <a:noFill/>
+            </a:ln>
           </p:spPr>
+          <p:style>
+            <a:lnRef idx="2">
+              <a:schemeClr val="accent1">
+                <a:shade val="50000"/>
+              </a:schemeClr>
+            </a:lnRef>
+            <a:fillRef idx="1">
+              <a:schemeClr val="accent1"/>
+            </a:fillRef>
+            <a:effectRef idx="0">
+              <a:schemeClr val="accent1"/>
+            </a:effectRef>
+            <a:fontRef idx="minor">
+              <a:schemeClr val="lt1"/>
+            </a:fontRef>
+          </p:style>
           <p:txBody>
-            <a:bodyPr wrap="square" rtlCol="0">
-              <a:spAutoFit/>
-            </a:bodyPr>
+            <a:bodyPr rtlCol="0" anchor="ctr"/>
             <a:lstStyle/>
             <a:p>
-              <a:r>
-                <a:rPr lang="en-US" sz="2400" dirty="0" smtClean="0">
-                  <a:latin typeface="Lucida Sans" panose="020B0602030504020204" pitchFamily="34" charset="0"/>
-                </a:rPr>
-                <a:t>Harue Ozaki</a:t>
-              </a:r>
+              <a:pPr algn="ctr"/>
+              <a:endParaRPr lang="en-US"/>
             </a:p>
           </p:txBody>
         </p:sp>
         <p:sp>
           <p:nvSpPr>
-            <p:cNvPr id="11" name="TextBox 10"/>
-            <p:cNvSpPr txBox="1"/>
+            <p:cNvPr id="5" name="Rectangle 4"/>
+            <p:cNvSpPr/>
             <p:nvPr/>
           </p:nvSpPr>
           <p:spPr>
             <a:xfrm>
-              <a:off x="3124200" y="1754840"/>
-              <a:ext cx="3505200" cy="461665"/>
+              <a:off x="304800" y="1215133"/>
+              <a:ext cx="2667000" cy="712323"/>
             </a:xfrm>
             <a:prstGeom prst="rect">
               <a:avLst/>
             </a:prstGeom>
-            <a:noFill/>
+            <a:solidFill>
+              <a:srgbClr val="045A8D"/>
+            </a:solidFill>
+            <a:ln>
+              <a:noFill/>
+            </a:ln>
           </p:spPr>
+          <p:style>
+            <a:lnRef idx="2">
+              <a:schemeClr val="accent1">
+                <a:shade val="50000"/>
+              </a:schemeClr>
+            </a:lnRef>
+            <a:fillRef idx="1">
+              <a:schemeClr val="accent1"/>
+            </a:fillRef>
+            <a:effectRef idx="0">
+              <a:schemeClr val="accent1"/>
+            </a:effectRef>
+            <a:fontRef idx="minor">
+              <a:schemeClr val="lt1"/>
+            </a:fontRef>
+          </p:style>
           <p:txBody>
-            <a:bodyPr wrap="square" rtlCol="0">
-              <a:spAutoFit/>
-            </a:bodyPr>
+            <a:bodyPr rtlCol="0" anchor="ctr"/>
             <a:lstStyle/>
             <a:p>
-              <a:r>
-                <a:rPr lang="en-US" sz="2400" dirty="0" smtClean="0">
-                  <a:latin typeface="Lucida Sans" panose="020B0602030504020204" pitchFamily="34" charset="0"/>
-                </a:rPr>
-                <a:t>June Mieko</a:t>
-              </a:r>
+              <a:pPr algn="ctr"/>
+              <a:endParaRPr lang="en-US"/>
             </a:p>
           </p:txBody>
         </p:sp>
         <p:sp>
           <p:nvSpPr>
-            <p:cNvPr id="12" name="TextBox 11"/>
-            <p:cNvSpPr txBox="1"/>
+            <p:cNvPr id="6" name="Rectangle 5"/>
+            <p:cNvSpPr/>
             <p:nvPr/>
           </p:nvSpPr>
           <p:spPr>
             <a:xfrm>
-              <a:off x="3124200" y="2939534"/>
-              <a:ext cx="3505200" cy="461665"/>
+              <a:off x="306238" y="1927456"/>
+              <a:ext cx="2667000" cy="712323"/>
             </a:xfrm>
             <a:prstGeom prst="rect">
               <a:avLst/>
             </a:prstGeom>
-            <a:noFill/>
+            <a:solidFill>
+              <a:srgbClr val="54278F"/>
+            </a:solidFill>
+            <a:ln>
+              <a:noFill/>
+            </a:ln>
           </p:spPr>
+          <p:style>
+            <a:lnRef idx="2">
+              <a:schemeClr val="accent1">
+                <a:shade val="50000"/>
+              </a:schemeClr>
+            </a:lnRef>
+            <a:fillRef idx="1">
+              <a:schemeClr val="accent1"/>
+            </a:fillRef>
+            <a:effectRef idx="0">
+              <a:schemeClr val="accent1"/>
+            </a:effectRef>
+            <a:fontRef idx="minor">
+              <a:schemeClr val="lt1"/>
+            </a:fontRef>
+          </p:style>
           <p:txBody>
-            <a:bodyPr wrap="square" rtlCol="0">
-              <a:spAutoFit/>
-            </a:bodyPr>
+            <a:bodyPr rtlCol="0" anchor="ctr"/>
             <a:lstStyle/>
             <a:p>
-              <a:r>
-                <a:rPr lang="en-US" sz="2400" dirty="0" smtClean="0">
-                  <a:latin typeface="Lucida Sans" panose="020B0602030504020204" pitchFamily="34" charset="0"/>
-                </a:rPr>
-                <a:t>Fumi Sato</a:t>
-              </a:r>
+              <a:pPr algn="ctr"/>
+              <a:endParaRPr lang="en-US"/>
             </a:p>
           </p:txBody>
         </p:sp>
         <p:sp>
           <p:nvSpPr>
-            <p:cNvPr id="13" name="TextBox 12"/>
-            <p:cNvSpPr txBox="1"/>
+            <p:cNvPr id="7" name="Rectangle 6"/>
+            <p:cNvSpPr/>
             <p:nvPr/>
           </p:nvSpPr>
           <p:spPr>
             <a:xfrm>
-              <a:off x="3124200" y="4158734"/>
-              <a:ext cx="3505200" cy="461665"/>
+              <a:off x="306238" y="2632742"/>
+              <a:ext cx="2667000" cy="712323"/>
             </a:xfrm>
             <a:prstGeom prst="rect">
               <a:avLst/>
             </a:prstGeom>
-            <a:noFill/>
+            <a:solidFill>
+              <a:srgbClr val="A50F15"/>
+            </a:solidFill>
+            <a:ln>
+              <a:noFill/>
+            </a:ln>
           </p:spPr>
+          <p:style>
+            <a:lnRef idx="2">
+              <a:schemeClr val="accent1">
+                <a:shade val="50000"/>
+              </a:schemeClr>
+            </a:lnRef>
+            <a:fillRef idx="1">
+              <a:schemeClr val="accent1"/>
+            </a:fillRef>
+            <a:effectRef idx="0">
+              <a:schemeClr val="accent1"/>
+            </a:effectRef>
+            <a:fontRef idx="minor">
+              <a:schemeClr val="lt1"/>
+            </a:fontRef>
+          </p:style>
           <p:txBody>
-            <a:bodyPr wrap="square" rtlCol="0">
-              <a:spAutoFit/>
-            </a:bodyPr>
+            <a:bodyPr rtlCol="0" anchor="ctr"/>
             <a:lstStyle/>
             <a:p>
-              <a:r>
-                <a:rPr lang="en-US" sz="2400" dirty="0" smtClean="0">
-                  <a:latin typeface="Lucida Sans" panose="020B0602030504020204" pitchFamily="34" charset="0"/>
-                </a:rPr>
-                <a:t>Ryo Munekata</a:t>
-              </a:r>
+              <a:pPr algn="ctr"/>
+              <a:endParaRPr lang="en-US"/>
             </a:p>
           </p:txBody>
         </p:sp>
         <p:sp>
           <p:nvSpPr>
-            <p:cNvPr id="14" name="TextBox 13"/>
-            <p:cNvSpPr txBox="1"/>
+            <p:cNvPr id="8" name="Rectangle 7"/>
+            <p:cNvSpPr/>
             <p:nvPr/>
           </p:nvSpPr>
           <p:spPr>
             <a:xfrm>
-              <a:off x="3124200" y="5377934"/>
-              <a:ext cx="3505200" cy="461665"/>
+              <a:off x="306238" y="3339314"/>
+              <a:ext cx="2667000" cy="712323"/>
             </a:xfrm>
             <a:prstGeom prst="rect">
               <a:avLst/>
             </a:prstGeom>
-            <a:noFill/>
+            <a:solidFill>
+              <a:srgbClr val="E08214"/>
+            </a:solidFill>
+            <a:ln>
+              <a:noFill/>
+            </a:ln>
           </p:spPr>
+          <p:style>
+            <a:lnRef idx="2">
+              <a:schemeClr val="accent1">
+                <a:shade val="50000"/>
+              </a:schemeClr>
+            </a:lnRef>
+            <a:fillRef idx="1">
+              <a:schemeClr val="accent1"/>
+            </a:fillRef>
+            <a:effectRef idx="0">
+              <a:schemeClr val="accent1"/>
+            </a:effectRef>
+            <a:fontRef idx="minor">
+              <a:schemeClr val="lt1"/>
+            </a:fontRef>
+          </p:style>
           <p:txBody>
-            <a:bodyPr wrap="square" rtlCol="0">
-              <a:spAutoFit/>
-            </a:bodyPr>
+            <a:bodyPr rtlCol="0" anchor="ctr"/>
             <a:lstStyle/>
             <a:p>
-              <a:r>
-                <a:rPr lang="en-US" sz="2400" dirty="0" smtClean="0">
-                  <a:latin typeface="Lucida Sans" panose="020B0602030504020204" pitchFamily="34" charset="0"/>
-                </a:rPr>
-                <a:t>Masaye Jinguji</a:t>
-              </a:r>
+              <a:pPr algn="ctr"/>
+              <a:endParaRPr lang="en-US"/>
             </a:p>
           </p:txBody>
         </p:sp>
       </p:grpSp>
+      <p:sp>
+        <p:nvSpPr>
+          <p:cNvPr id="10" name="TextBox 9"/>
+          <p:cNvSpPr txBox="1"/>
+          <p:nvPr/>
+        </p:nvSpPr>
+        <p:spPr>
+          <a:xfrm>
+            <a:off x="3216215" y="597361"/>
+            <a:ext cx="3505200" cy="523220"/>
+          </a:xfrm>
+          <a:prstGeom prst="rect">
+            <a:avLst/>
+          </a:prstGeom>
+          <a:noFill/>
+        </p:spPr>
+        <p:txBody>
+          <a:bodyPr wrap="square" rtlCol="0">
+            <a:spAutoFit/>
+          </a:bodyPr>
+          <a:lstStyle/>
+          <a:p>
+            <a:r>
+              <a:rPr lang="en-US" sz="2800" dirty="0" smtClean="0">
+                <a:latin typeface="Lucida Sans" panose="020B0602030504020204" pitchFamily="34" charset="0"/>
+              </a:rPr>
+              <a:t>Harue Ozaki</a:t>
+            </a:r>
+          </a:p>
+        </p:txBody>
+      </p:sp>
+      <p:sp>
+        <p:nvSpPr>
+          <p:cNvPr id="11" name="TextBox 10"/>
+          <p:cNvSpPr txBox="1"/>
+          <p:nvPr/>
+        </p:nvSpPr>
+        <p:spPr>
+          <a:xfrm>
+            <a:off x="3216215" y="1309684"/>
+            <a:ext cx="3505200" cy="523220"/>
+          </a:xfrm>
+          <a:prstGeom prst="rect">
+            <a:avLst/>
+          </a:prstGeom>
+          <a:noFill/>
+        </p:spPr>
+        <p:txBody>
+          <a:bodyPr wrap="square" rtlCol="0">
+            <a:spAutoFit/>
+          </a:bodyPr>
+          <a:lstStyle/>
+          <a:p>
+            <a:r>
+              <a:rPr lang="en-US" sz="2800" dirty="0" smtClean="0">
+                <a:latin typeface="Lucida Sans" panose="020B0602030504020204" pitchFamily="34" charset="0"/>
+              </a:rPr>
+              <a:t>June Mieko</a:t>
+            </a:r>
+          </a:p>
+        </p:txBody>
+      </p:sp>
+      <p:sp>
+        <p:nvSpPr>
+          <p:cNvPr id="12" name="TextBox 11"/>
+          <p:cNvSpPr txBox="1"/>
+          <p:nvPr/>
+        </p:nvSpPr>
+        <p:spPr>
+          <a:xfrm>
+            <a:off x="3200400" y="2022007"/>
+            <a:ext cx="3505200" cy="523220"/>
+          </a:xfrm>
+          <a:prstGeom prst="rect">
+            <a:avLst/>
+          </a:prstGeom>
+          <a:noFill/>
+        </p:spPr>
+        <p:txBody>
+          <a:bodyPr wrap="square" rtlCol="0">
+            <a:spAutoFit/>
+          </a:bodyPr>
+          <a:lstStyle/>
+          <a:p>
+            <a:r>
+              <a:rPr lang="en-US" sz="2800" dirty="0" smtClean="0">
+                <a:latin typeface="Lucida Sans" panose="020B0602030504020204" pitchFamily="34" charset="0"/>
+              </a:rPr>
+              <a:t>Fumi Sato</a:t>
+            </a:r>
+          </a:p>
+        </p:txBody>
+      </p:sp>
+      <p:sp>
+        <p:nvSpPr>
+          <p:cNvPr id="13" name="TextBox 12"/>
+          <p:cNvSpPr txBox="1"/>
+          <p:nvPr/>
+        </p:nvSpPr>
+        <p:spPr>
+          <a:xfrm>
+            <a:off x="3200400" y="2727293"/>
+            <a:ext cx="3505200" cy="523220"/>
+          </a:xfrm>
+          <a:prstGeom prst="rect">
+            <a:avLst/>
+          </a:prstGeom>
+          <a:noFill/>
+        </p:spPr>
+        <p:txBody>
+          <a:bodyPr wrap="square" rtlCol="0">
+            <a:spAutoFit/>
+          </a:bodyPr>
+          <a:lstStyle/>
+          <a:p>
+            <a:r>
+              <a:rPr lang="en-US" sz="2800" dirty="0" smtClean="0">
+                <a:latin typeface="Lucida Sans" panose="020B0602030504020204" pitchFamily="34" charset="0"/>
+              </a:rPr>
+              <a:t>Ryo Munekata</a:t>
+            </a:r>
+          </a:p>
+        </p:txBody>
+      </p:sp>
+      <p:sp>
+        <p:nvSpPr>
+          <p:cNvPr id="14" name="TextBox 13"/>
+          <p:cNvSpPr txBox="1"/>
+          <p:nvPr/>
+        </p:nvSpPr>
+        <p:spPr>
+          <a:xfrm>
+            <a:off x="3200400" y="3448678"/>
+            <a:ext cx="3505200" cy="523220"/>
+          </a:xfrm>
+          <a:prstGeom prst="rect">
+            <a:avLst/>
+          </a:prstGeom>
+          <a:noFill/>
+        </p:spPr>
+        <p:txBody>
+          <a:bodyPr wrap="square" rtlCol="0">
+            <a:spAutoFit/>
+          </a:bodyPr>
+          <a:lstStyle/>
+          <a:p>
+            <a:r>
+              <a:rPr lang="en-US" sz="2800" dirty="0" smtClean="0">
+                <a:latin typeface="Lucida Sans" panose="020B0602030504020204" pitchFamily="34" charset="0"/>
+              </a:rPr>
+              <a:t>Masaye Jinguji</a:t>
+            </a:r>
+          </a:p>
+        </p:txBody>
+      </p:sp>
     </p:spTree>
     <p:extLst>
       <p:ext uri="{BB962C8B-B14F-4D97-AF65-F5344CB8AC3E}">
